--- a/Data-Science-Mdterm-Project.pptx
+++ b/Data-Science-Mdterm-Project.pptx
@@ -61,7 +61,7 @@
         <p:spPr>
           <a:xfrm>
             <a:off x="457200" y="274680"/>
-            <a:ext cx="8228880" cy="1142280"/>
+            <a:ext cx="8228520" cy="1141920"/>
           </a:xfrm>
           <a:prstGeom prst="rect">
             <a:avLst/>
@@ -101,7 +101,7 @@
         <p:spPr>
           <a:xfrm>
             <a:off x="457200" y="1600200"/>
-            <a:ext cx="8228880" cy="4525200"/>
+            <a:ext cx="8228520" cy="4524840"/>
           </a:xfrm>
           <a:prstGeom prst="rect">
             <a:avLst/>
@@ -162,7 +162,7 @@
         <p:txBody>
           <a:bodyPr/>
           <a:p>
-            <a:fld id="{5D0E53C3-D1E6-4696-914A-56A91F39F11C}" type="slidenum">
+            <a:fld id="{3BA8E767-9E4E-4602-84CF-1ADA3DA893B2}" type="slidenum">
               <a:t>&lt;#&gt;</a:t>
             </a:fld>
           </a:p>
@@ -245,7 +245,7 @@
         <p:txBody>
           <a:bodyPr/>
           <a:p>
-            <a:fld id="{B26B2486-8C83-4EE6-8704-5845FB140E04}" type="slidenum">
+            <a:fld id="{4E88AAF4-1320-4C6F-B8CE-B5A54A5C8F5C}" type="slidenum">
               <a:t>&lt;#&gt;</a:t>
             </a:fld>
           </a:p>
@@ -328,7 +328,7 @@
         <p:txBody>
           <a:bodyPr/>
           <a:p>
-            <a:fld id="{46100472-1E42-40BC-A1C9-B310BAC32D47}" type="slidenum">
+            <a:fld id="{5B23F48E-7F9F-40BF-B775-7B5AA0601F4C}" type="slidenum">
               <a:t>&lt;#&gt;</a:t>
             </a:fld>
           </a:p>
@@ -411,7 +411,7 @@
         <p:txBody>
           <a:bodyPr/>
           <a:p>
-            <a:fld id="{3B29C028-3246-46E9-AF44-0B97AC167A01}" type="slidenum">
+            <a:fld id="{8B62D639-73D9-4325-8409-64B16A3D8269}" type="slidenum">
               <a:t>&lt;#&gt;</a:t>
             </a:fld>
           </a:p>
@@ -494,7 +494,7 @@
         <p:txBody>
           <a:bodyPr/>
           <a:p>
-            <a:fld id="{562A1701-0D33-4157-BDA2-16F31FD92C92}" type="slidenum">
+            <a:fld id="{90BFA1BA-4476-47E3-BF4B-75D259251610}" type="slidenum">
               <a:t>&lt;#&gt;</a:t>
             </a:fld>
           </a:p>
@@ -556,7 +556,7 @@
         <p:spPr>
           <a:xfrm>
             <a:off x="457200" y="274680"/>
-            <a:ext cx="8228880" cy="1142280"/>
+            <a:ext cx="8228520" cy="1141920"/>
           </a:xfrm>
           <a:prstGeom prst="rect">
             <a:avLst/>
@@ -596,7 +596,7 @@
         <p:spPr>
           <a:xfrm>
             <a:off x="457200" y="1600200"/>
-            <a:ext cx="8228880" cy="4525200"/>
+            <a:ext cx="8228520" cy="4524840"/>
           </a:xfrm>
           <a:prstGeom prst="rect">
             <a:avLst/>
@@ -660,7 +660,7 @@
         <p:txBody>
           <a:bodyPr/>
           <a:p>
-            <a:fld id="{71DA6E08-0FF6-4E90-A928-4A344F1749FC}" type="slidenum">
+            <a:fld id="{07C625AF-6505-4B5B-AABC-34935E2B9B87}" type="slidenum">
               <a:t>&lt;#&gt;</a:t>
             </a:fld>
           </a:p>
@@ -743,7 +743,7 @@
         <p:txBody>
           <a:bodyPr/>
           <a:p>
-            <a:fld id="{4C068125-148D-4DC7-B384-237D561BB5B1}" type="slidenum">
+            <a:fld id="{3D741AAA-7916-4E14-91F4-3A8EDA8B7241}" type="slidenum">
               <a:t>&lt;#&gt;</a:t>
             </a:fld>
           </a:p>
@@ -805,7 +805,7 @@
         <p:spPr>
           <a:xfrm>
             <a:off x="457200" y="274680"/>
-            <a:ext cx="8228880" cy="1142280"/>
+            <a:ext cx="8228520" cy="1141920"/>
           </a:xfrm>
           <a:prstGeom prst="rect">
             <a:avLst/>
@@ -845,7 +845,7 @@
         <p:spPr>
           <a:xfrm>
             <a:off x="457200" y="1600200"/>
-            <a:ext cx="4015440" cy="4525200"/>
+            <a:ext cx="4015440" cy="4524840"/>
           </a:xfrm>
           <a:prstGeom prst="rect">
             <a:avLst/>
@@ -888,7 +888,7 @@
         <p:spPr>
           <a:xfrm>
             <a:off x="4673880" y="1600200"/>
-            <a:ext cx="4015440" cy="4525200"/>
+            <a:ext cx="4015440" cy="4524840"/>
           </a:xfrm>
           <a:prstGeom prst="rect">
             <a:avLst/>
@@ -952,7 +952,7 @@
         <p:txBody>
           <a:bodyPr/>
           <a:p>
-            <a:fld id="{8135A6E5-B606-4365-A886-22CCBAD7015B}" type="slidenum">
+            <a:fld id="{313C717B-1DD7-4AE6-9001-D445AE95E81A}" type="slidenum">
               <a:t>&lt;#&gt;</a:t>
             </a:fld>
           </a:p>
@@ -1035,7 +1035,7 @@
         <p:txBody>
           <a:bodyPr/>
           <a:p>
-            <a:fld id="{6AD74A6F-AE76-4E30-A2CF-3406397AE374}" type="slidenum">
+            <a:fld id="{7B11FDB5-0D3C-478A-97CA-22E2513A7BD6}" type="slidenum">
               <a:t>&lt;#&gt;</a:t>
             </a:fld>
           </a:p>
@@ -1097,7 +1097,7 @@
         <p:spPr>
           <a:xfrm>
             <a:off x="457200" y="274680"/>
-            <a:ext cx="8228880" cy="1142280"/>
+            <a:ext cx="8228520" cy="1141920"/>
           </a:xfrm>
           <a:prstGeom prst="rect">
             <a:avLst/>
@@ -1158,7 +1158,7 @@
         <p:txBody>
           <a:bodyPr/>
           <a:p>
-            <a:fld id="{0462B200-966D-40BC-AC2F-16FD215FEBC6}" type="slidenum">
+            <a:fld id="{832F9A3C-245E-41D1-9E16-7141F8BA2AE9}" type="slidenum">
               <a:t>&lt;#&gt;</a:t>
             </a:fld>
           </a:p>
@@ -1241,7 +1241,7 @@
         <p:txBody>
           <a:bodyPr/>
           <a:p>
-            <a:fld id="{B9920D55-FB1A-40D9-959E-98BA21D19488}" type="slidenum">
+            <a:fld id="{E4A471A1-2F6F-4CAB-8464-48F0FC156F32}" type="slidenum">
               <a:t>&lt;#&gt;</a:t>
             </a:fld>
           </a:p>
@@ -1310,7 +1310,7 @@
         <p:spPr>
           <a:xfrm>
             <a:off x="457200" y="274680"/>
-            <a:ext cx="8228880" cy="1142280"/>
+            <a:ext cx="8228520" cy="1141920"/>
           </a:xfrm>
           <a:prstGeom prst="rect">
             <a:avLst/>
@@ -1359,7 +1359,7 @@
         <p:spPr>
           <a:xfrm>
             <a:off x="3124080" y="6356520"/>
-            <a:ext cx="2894760" cy="364320"/>
+            <a:ext cx="2894400" cy="363960"/>
           </a:xfrm>
           <a:prstGeom prst="rect">
             <a:avLst/>
@@ -1431,7 +1431,7 @@
         <p:spPr>
           <a:xfrm>
             <a:off x="6553080" y="6356520"/>
-            <a:ext cx="2133000" cy="364320"/>
+            <a:ext cx="2132640" cy="363960"/>
           </a:xfrm>
           <a:prstGeom prst="rect">
             <a:avLst/>
@@ -1474,7 +1474,7 @@
                 <a:tab algn="l" pos="0"/>
               </a:tabLst>
             </a:pPr>
-            <a:fld id="{C89FD4E4-9BD5-4987-956A-F9A2A4DEBB19}" type="slidenum">
+            <a:fld id="{4EF928AF-B1EB-43C0-9A96-6803B2174D47}" type="slidenum">
               <a:rPr b="0" lang="en-US" sz="1200" spc="-1" strike="noStrike">
                 <a:solidFill>
                   <a:schemeClr val="dk1">
@@ -1507,7 +1507,7 @@
         <p:spPr>
           <a:xfrm>
             <a:off x="457200" y="6356520"/>
-            <a:ext cx="2133000" cy="364320"/>
+            <a:ext cx="2132640" cy="363960"/>
           </a:xfrm>
           <a:prstGeom prst="rect">
             <a:avLst/>
@@ -1600,7 +1600,7 @@
         <p:spPr>
           <a:xfrm>
             <a:off x="3124080" y="6356520"/>
-            <a:ext cx="2894760" cy="364320"/>
+            <a:ext cx="2894400" cy="363960"/>
           </a:xfrm>
           <a:prstGeom prst="rect">
             <a:avLst/>
@@ -1672,7 +1672,7 @@
         <p:spPr>
           <a:xfrm>
             <a:off x="6553080" y="6356520"/>
-            <a:ext cx="2133000" cy="364320"/>
+            <a:ext cx="2132640" cy="363960"/>
           </a:xfrm>
           <a:prstGeom prst="rect">
             <a:avLst/>
@@ -1715,7 +1715,7 @@
                 <a:tab algn="l" pos="0"/>
               </a:tabLst>
             </a:pPr>
-            <a:fld id="{40594587-8C7C-4AA9-92F9-8A79DA4B5428}" type="slidenum">
+            <a:fld id="{1262BFE4-A59A-4451-A477-F3722C407C49}" type="slidenum">
               <a:rPr b="0" lang="en-US" sz="1200" spc="-1" strike="noStrike">
                 <a:solidFill>
                   <a:schemeClr val="dk1">
@@ -1748,7 +1748,7 @@
         <p:spPr>
           <a:xfrm>
             <a:off x="457200" y="6356520"/>
-            <a:ext cx="2133000" cy="364320"/>
+            <a:ext cx="2132640" cy="363960"/>
           </a:xfrm>
           <a:prstGeom prst="rect">
             <a:avLst/>
@@ -1841,7 +1841,7 @@
         <p:spPr>
           <a:xfrm>
             <a:off x="3124080" y="6356520"/>
-            <a:ext cx="2894760" cy="364320"/>
+            <a:ext cx="2894400" cy="363960"/>
           </a:xfrm>
           <a:prstGeom prst="rect">
             <a:avLst/>
@@ -1913,7 +1913,7 @@
         <p:spPr>
           <a:xfrm>
             <a:off x="6553080" y="6356520"/>
-            <a:ext cx="2133000" cy="364320"/>
+            <a:ext cx="2132640" cy="363960"/>
           </a:xfrm>
           <a:prstGeom prst="rect">
             <a:avLst/>
@@ -1956,7 +1956,7 @@
                 <a:tab algn="l" pos="0"/>
               </a:tabLst>
             </a:pPr>
-            <a:fld id="{54E24ED4-1D8C-464D-A528-26A5BC0D45CC}" type="slidenum">
+            <a:fld id="{CA2097B2-FCD6-4563-87A0-0C6EB5005C18}" type="slidenum">
               <a:rPr b="0" lang="en-US" sz="1200" spc="-1" strike="noStrike">
                 <a:solidFill>
                   <a:schemeClr val="dk1">
@@ -1989,7 +1989,7 @@
         <p:spPr>
           <a:xfrm>
             <a:off x="457200" y="6356520"/>
-            <a:ext cx="2133000" cy="364320"/>
+            <a:ext cx="2132640" cy="363960"/>
           </a:xfrm>
           <a:prstGeom prst="rect">
             <a:avLst/>
@@ -2082,7 +2082,7 @@
         <p:spPr>
           <a:xfrm>
             <a:off x="3124080" y="6356520"/>
-            <a:ext cx="2894760" cy="364320"/>
+            <a:ext cx="2894400" cy="363960"/>
           </a:xfrm>
           <a:prstGeom prst="rect">
             <a:avLst/>
@@ -2154,7 +2154,7 @@
         <p:spPr>
           <a:xfrm>
             <a:off x="6553080" y="6356520"/>
-            <a:ext cx="2133000" cy="364320"/>
+            <a:ext cx="2132640" cy="363960"/>
           </a:xfrm>
           <a:prstGeom prst="rect">
             <a:avLst/>
@@ -2197,7 +2197,7 @@
                 <a:tab algn="l" pos="0"/>
               </a:tabLst>
             </a:pPr>
-            <a:fld id="{6780B5FF-D469-4E03-A6F0-CAB4E8103621}" type="slidenum">
+            <a:fld id="{A5316DBA-DAE8-44C4-A2BF-B2DB515EFD77}" type="slidenum">
               <a:rPr b="0" lang="en-US" sz="1200" spc="-1" strike="noStrike">
                 <a:solidFill>
                   <a:schemeClr val="dk1">
@@ -2230,7 +2230,7 @@
         <p:spPr>
           <a:xfrm>
             <a:off x="457200" y="6356520"/>
-            <a:ext cx="2133000" cy="364320"/>
+            <a:ext cx="2132640" cy="363960"/>
           </a:xfrm>
           <a:prstGeom prst="rect">
             <a:avLst/>
@@ -2323,7 +2323,7 @@
         <p:spPr>
           <a:xfrm>
             <a:off x="3124080" y="6356520"/>
-            <a:ext cx="2894760" cy="364320"/>
+            <a:ext cx="2894400" cy="363960"/>
           </a:xfrm>
           <a:prstGeom prst="rect">
             <a:avLst/>
@@ -2395,7 +2395,7 @@
         <p:spPr>
           <a:xfrm>
             <a:off x="6553080" y="6356520"/>
-            <a:ext cx="2133000" cy="364320"/>
+            <a:ext cx="2132640" cy="363960"/>
           </a:xfrm>
           <a:prstGeom prst="rect">
             <a:avLst/>
@@ -2438,7 +2438,7 @@
                 <a:tab algn="l" pos="0"/>
               </a:tabLst>
             </a:pPr>
-            <a:fld id="{A3037370-DC5C-418B-98CB-C86E0C06CBC7}" type="slidenum">
+            <a:fld id="{B4F18B84-42BE-4A3E-B3B8-218FFBD4C426}" type="slidenum">
               <a:rPr b="0" lang="en-US" sz="1200" spc="-1" strike="noStrike">
                 <a:solidFill>
                   <a:schemeClr val="dk1">
@@ -2471,7 +2471,7 @@
         <p:spPr>
           <a:xfrm>
             <a:off x="457200" y="6356520"/>
-            <a:ext cx="2133000" cy="364320"/>
+            <a:ext cx="2132640" cy="363960"/>
           </a:xfrm>
           <a:prstGeom prst="rect">
             <a:avLst/>
@@ -2564,7 +2564,7 @@
         <p:spPr>
           <a:xfrm>
             <a:off x="457200" y="274680"/>
-            <a:ext cx="8228880" cy="1142280"/>
+            <a:ext cx="8228520" cy="1141920"/>
           </a:xfrm>
           <a:prstGeom prst="rect">
             <a:avLst/>
@@ -2613,7 +2613,7 @@
         <p:spPr>
           <a:xfrm>
             <a:off x="457200" y="1600200"/>
-            <a:ext cx="8228880" cy="4525200"/>
+            <a:ext cx="8228520" cy="4524840"/>
           </a:xfrm>
           <a:prstGeom prst="rect">
             <a:avLst/>
@@ -2838,7 +2838,7 @@
         <p:spPr>
           <a:xfrm>
             <a:off x="3124080" y="6356520"/>
-            <a:ext cx="2894760" cy="364320"/>
+            <a:ext cx="2894400" cy="363960"/>
           </a:xfrm>
           <a:prstGeom prst="rect">
             <a:avLst/>
@@ -2910,7 +2910,7 @@
         <p:spPr>
           <a:xfrm>
             <a:off x="6553080" y="6356520"/>
-            <a:ext cx="2133000" cy="364320"/>
+            <a:ext cx="2132640" cy="363960"/>
           </a:xfrm>
           <a:prstGeom prst="rect">
             <a:avLst/>
@@ -2953,7 +2953,7 @@
                 <a:tab algn="l" pos="0"/>
               </a:tabLst>
             </a:pPr>
-            <a:fld id="{BBAFB541-1002-4374-9C8B-3CDBF869FBE1}" type="slidenum">
+            <a:fld id="{45B8F4FB-CD1B-4AF2-BAC7-05247F3EE1A6}" type="slidenum">
               <a:rPr b="0" lang="en-US" sz="1200" spc="-1" strike="noStrike">
                 <a:solidFill>
                   <a:schemeClr val="dk1">
@@ -2986,7 +2986,7 @@
         <p:spPr>
           <a:xfrm>
             <a:off x="457200" y="6356520"/>
-            <a:ext cx="2133000" cy="364320"/>
+            <a:ext cx="2132640" cy="363960"/>
           </a:xfrm>
           <a:prstGeom prst="rect">
             <a:avLst/>
@@ -3079,7 +3079,7 @@
         <p:spPr>
           <a:xfrm>
             <a:off x="3124080" y="6356520"/>
-            <a:ext cx="2894760" cy="364320"/>
+            <a:ext cx="2894400" cy="363960"/>
           </a:xfrm>
           <a:prstGeom prst="rect">
             <a:avLst/>
@@ -3151,7 +3151,7 @@
         <p:spPr>
           <a:xfrm>
             <a:off x="6553080" y="6356520"/>
-            <a:ext cx="2133000" cy="364320"/>
+            <a:ext cx="2132640" cy="363960"/>
           </a:xfrm>
           <a:prstGeom prst="rect">
             <a:avLst/>
@@ -3194,7 +3194,7 @@
                 <a:tab algn="l" pos="0"/>
               </a:tabLst>
             </a:pPr>
-            <a:fld id="{2BBE3CB2-05F4-44BD-AACE-2557208D65EF}" type="slidenum">
+            <a:fld id="{BD38EAF9-3F8D-4696-A0C0-148299FFB7D3}" type="slidenum">
               <a:rPr b="0" lang="en-US" sz="1200" spc="-1" strike="noStrike">
                 <a:solidFill>
                   <a:schemeClr val="dk1">
@@ -3227,7 +3227,7 @@
         <p:spPr>
           <a:xfrm>
             <a:off x="457200" y="6356520"/>
-            <a:ext cx="2133000" cy="364320"/>
+            <a:ext cx="2132640" cy="363960"/>
           </a:xfrm>
           <a:prstGeom prst="rect">
             <a:avLst/>
@@ -3320,7 +3320,7 @@
         <p:spPr>
           <a:xfrm>
             <a:off x="457200" y="274680"/>
-            <a:ext cx="8228880" cy="1142280"/>
+            <a:ext cx="8228520" cy="1141920"/>
           </a:xfrm>
           <a:prstGeom prst="rect">
             <a:avLst/>
@@ -3369,7 +3369,7 @@
         <p:spPr>
           <a:xfrm>
             <a:off x="457200" y="1600200"/>
-            <a:ext cx="4015440" cy="4525200"/>
+            <a:ext cx="4015080" cy="4524840"/>
           </a:xfrm>
           <a:prstGeom prst="rect">
             <a:avLst/>
@@ -3593,8 +3593,8 @@
         </p:nvSpPr>
         <p:spPr>
           <a:xfrm>
-            <a:off x="4674240" y="1600200"/>
-            <a:ext cx="4015440" cy="4525200"/>
+            <a:off x="4673880" y="1600200"/>
+            <a:ext cx="4015080" cy="4524840"/>
           </a:xfrm>
           <a:prstGeom prst="rect">
             <a:avLst/>
@@ -3819,7 +3819,7 @@
         <p:spPr>
           <a:xfrm>
             <a:off x="3124080" y="6356520"/>
-            <a:ext cx="2894760" cy="364320"/>
+            <a:ext cx="2894400" cy="363960"/>
           </a:xfrm>
           <a:prstGeom prst="rect">
             <a:avLst/>
@@ -3891,7 +3891,7 @@
         <p:spPr>
           <a:xfrm>
             <a:off x="6553080" y="6356520"/>
-            <a:ext cx="2133000" cy="364320"/>
+            <a:ext cx="2132640" cy="363960"/>
           </a:xfrm>
           <a:prstGeom prst="rect">
             <a:avLst/>
@@ -3934,7 +3934,7 @@
                 <a:tab algn="l" pos="0"/>
               </a:tabLst>
             </a:pPr>
-            <a:fld id="{308D6557-F789-4DDB-80CB-14880C3C2A73}" type="slidenum">
+            <a:fld id="{FAE8386D-CACB-4575-8CBB-FD14ECB53A56}" type="slidenum">
               <a:rPr b="0" lang="en-US" sz="1200" spc="-1" strike="noStrike">
                 <a:solidFill>
                   <a:schemeClr val="dk1">
@@ -3967,7 +3967,7 @@
         <p:spPr>
           <a:xfrm>
             <a:off x="457200" y="6356520"/>
-            <a:ext cx="2133000" cy="364320"/>
+            <a:ext cx="2132640" cy="363960"/>
           </a:xfrm>
           <a:prstGeom prst="rect">
             <a:avLst/>
@@ -4060,7 +4060,7 @@
         <p:spPr>
           <a:xfrm>
             <a:off x="3124080" y="6356520"/>
-            <a:ext cx="2894760" cy="364320"/>
+            <a:ext cx="2894400" cy="363960"/>
           </a:xfrm>
           <a:prstGeom prst="rect">
             <a:avLst/>
@@ -4132,7 +4132,7 @@
         <p:spPr>
           <a:xfrm>
             <a:off x="6553080" y="6356520"/>
-            <a:ext cx="2133000" cy="364320"/>
+            <a:ext cx="2132640" cy="363960"/>
           </a:xfrm>
           <a:prstGeom prst="rect">
             <a:avLst/>
@@ -4175,7 +4175,7 @@
                 <a:tab algn="l" pos="0"/>
               </a:tabLst>
             </a:pPr>
-            <a:fld id="{94627233-3460-4E26-93C3-CF85543EB9BE}" type="slidenum">
+            <a:fld id="{4AADB7F4-5913-49BE-B729-02D8FCC0C499}" type="slidenum">
               <a:rPr b="0" lang="en-US" sz="1200" spc="-1" strike="noStrike">
                 <a:solidFill>
                   <a:schemeClr val="dk1">
@@ -4208,7 +4208,7 @@
         <p:spPr>
           <a:xfrm>
             <a:off x="457200" y="6356520"/>
-            <a:ext cx="2133000" cy="364320"/>
+            <a:ext cx="2132640" cy="363960"/>
           </a:xfrm>
           <a:prstGeom prst="rect">
             <a:avLst/>
@@ -4301,7 +4301,7 @@
         <p:spPr>
           <a:xfrm>
             <a:off x="457200" y="274680"/>
-            <a:ext cx="8228880" cy="1142280"/>
+            <a:ext cx="8228520" cy="1141920"/>
           </a:xfrm>
           <a:prstGeom prst="rect">
             <a:avLst/>
@@ -4350,7 +4350,7 @@
         <p:spPr>
           <a:xfrm>
             <a:off x="3124080" y="6356520"/>
-            <a:ext cx="2894760" cy="364320"/>
+            <a:ext cx="2894400" cy="363960"/>
           </a:xfrm>
           <a:prstGeom prst="rect">
             <a:avLst/>
@@ -4422,7 +4422,7 @@
         <p:spPr>
           <a:xfrm>
             <a:off x="6553080" y="6356520"/>
-            <a:ext cx="2133000" cy="364320"/>
+            <a:ext cx="2132640" cy="363960"/>
           </a:xfrm>
           <a:prstGeom prst="rect">
             <a:avLst/>
@@ -4465,7 +4465,7 @@
                 <a:tab algn="l" pos="0"/>
               </a:tabLst>
             </a:pPr>
-            <a:fld id="{EFDE14E3-D0D4-430B-9032-81B519135B36}" type="slidenum">
+            <a:fld id="{201D52F1-9237-41E0-934F-D6E32D830192}" type="slidenum">
               <a:rPr b="0" lang="en-US" sz="1200" spc="-1" strike="noStrike">
                 <a:solidFill>
                   <a:schemeClr val="dk1">
@@ -4498,7 +4498,7 @@
         <p:spPr>
           <a:xfrm>
             <a:off x="457200" y="6356520"/>
-            <a:ext cx="2133000" cy="364320"/>
+            <a:ext cx="2132640" cy="363960"/>
           </a:xfrm>
           <a:prstGeom prst="rect">
             <a:avLst/>
@@ -4591,7 +4591,7 @@
         <p:spPr>
           <a:xfrm>
             <a:off x="3124080" y="6356520"/>
-            <a:ext cx="2894760" cy="364320"/>
+            <a:ext cx="2894400" cy="363960"/>
           </a:xfrm>
           <a:prstGeom prst="rect">
             <a:avLst/>
@@ -4663,7 +4663,7 @@
         <p:spPr>
           <a:xfrm>
             <a:off x="6553080" y="6356520"/>
-            <a:ext cx="2133000" cy="364320"/>
+            <a:ext cx="2132640" cy="363960"/>
           </a:xfrm>
           <a:prstGeom prst="rect">
             <a:avLst/>
@@ -4706,7 +4706,7 @@
                 <a:tab algn="l" pos="0"/>
               </a:tabLst>
             </a:pPr>
-            <a:fld id="{73F9DECF-70F5-4297-A42C-D26E9144E5AA}" type="slidenum">
+            <a:fld id="{4C714D08-49D2-46F6-88D1-3E7778A62027}" type="slidenum">
               <a:rPr b="0" lang="en-US" sz="1200" spc="-1" strike="noStrike">
                 <a:solidFill>
                   <a:schemeClr val="dk1">
@@ -4739,7 +4739,7 @@
         <p:spPr>
           <a:xfrm>
             <a:off x="457200" y="6356520"/>
-            <a:ext cx="2133000" cy="364320"/>
+            <a:ext cx="2132640" cy="363960"/>
           </a:xfrm>
           <a:prstGeom prst="rect">
             <a:avLst/>
@@ -4825,7 +4825,7 @@
         <p:spPr>
           <a:xfrm>
             <a:off x="457200" y="274680"/>
-            <a:ext cx="8228880" cy="1142280"/>
+            <a:ext cx="8228520" cy="1141920"/>
           </a:xfrm>
           <a:prstGeom prst="rect">
             <a:avLst/>
@@ -4880,7 +4880,7 @@
         <p:spPr>
           <a:xfrm>
             <a:off x="457200" y="1600200"/>
-            <a:ext cx="8228880" cy="4525200"/>
+            <a:ext cx="8228520" cy="4524840"/>
           </a:xfrm>
           <a:prstGeom prst="rect">
             <a:avLst/>
@@ -5032,7 +5032,7 @@
         <p:spPr>
           <a:xfrm>
             <a:off x="457200" y="274680"/>
-            <a:ext cx="8228880" cy="1142280"/>
+            <a:ext cx="8228520" cy="1141920"/>
           </a:xfrm>
           <a:prstGeom prst="rect">
             <a:avLst/>
@@ -5087,7 +5087,7 @@
         <p:spPr>
           <a:xfrm>
             <a:off x="457200" y="1600200"/>
-            <a:ext cx="8228880" cy="4525200"/>
+            <a:ext cx="8228520" cy="4524840"/>
           </a:xfrm>
           <a:prstGeom prst="rect">
             <a:avLst/>
@@ -5422,7 +5422,7 @@
         <p:spPr>
           <a:xfrm>
             <a:off x="457200" y="274680"/>
-            <a:ext cx="8228880" cy="1142280"/>
+            <a:ext cx="8228520" cy="1141920"/>
           </a:xfrm>
           <a:prstGeom prst="rect">
             <a:avLst/>
@@ -5477,7 +5477,7 @@
         <p:spPr>
           <a:xfrm>
             <a:off x="457200" y="1600200"/>
-            <a:ext cx="8228880" cy="4525200"/>
+            <a:ext cx="8228520" cy="4524840"/>
           </a:xfrm>
           <a:prstGeom prst="rect">
             <a:avLst/>
@@ -5512,16 +5512,7 @@
                 </a:solidFill>
                 <a:latin typeface="Calibri"/>
               </a:rPr>
-              <a:t>Objective: Build a machine learning model to predict house </a:t>
-            </a:r>
-            <a:r>
-              <a:rPr b="0" lang="en-US" sz="2200" spc="-1" strike="noStrike">
-                <a:solidFill>
-                  <a:schemeClr val="dk1"/>
-                </a:solidFill>
-                <a:latin typeface="Calibri"/>
-              </a:rPr>
-              <a:t>prices.</a:t>
+              <a:t>Objective: Build a machine learning model to predict house prices.</a:t>
             </a:r>
             <a:endParaRPr b="0" lang="en-US" sz="2200" spc="-1" strike="noStrike">
               <a:solidFill>
@@ -5780,7 +5771,7 @@
         <p:spPr>
           <a:xfrm>
             <a:off x="457200" y="274680"/>
-            <a:ext cx="8228880" cy="1142280"/>
+            <a:ext cx="8228520" cy="1141920"/>
           </a:xfrm>
           <a:prstGeom prst="rect">
             <a:avLst/>
@@ -5835,7 +5826,7 @@
         <p:spPr>
           <a:xfrm>
             <a:off x="457200" y="1600200"/>
-            <a:ext cx="8228880" cy="4525200"/>
+            <a:ext cx="8228520" cy="4524840"/>
           </a:xfrm>
           <a:prstGeom prst="rect">
             <a:avLst/>
@@ -6215,7 +6206,7 @@
         <p:spPr>
           <a:xfrm>
             <a:off x="457200" y="274680"/>
-            <a:ext cx="8228880" cy="1142280"/>
+            <a:ext cx="8228520" cy="1141920"/>
           </a:xfrm>
           <a:prstGeom prst="rect">
             <a:avLst/>
@@ -6270,7 +6261,7 @@
         <p:spPr>
           <a:xfrm>
             <a:off x="457200" y="1600200"/>
-            <a:ext cx="8228880" cy="4525200"/>
+            <a:ext cx="8228520" cy="4524840"/>
           </a:xfrm>
           <a:prstGeom prst="rect">
             <a:avLst/>
@@ -6686,7 +6677,7 @@
         <p:spPr>
           <a:xfrm>
             <a:off x="457200" y="274680"/>
-            <a:ext cx="8228880" cy="1142280"/>
+            <a:ext cx="8228520" cy="1141920"/>
           </a:xfrm>
           <a:prstGeom prst="rect">
             <a:avLst/>
@@ -6741,7 +6732,7 @@
         <p:spPr>
           <a:xfrm>
             <a:off x="457200" y="1600200"/>
-            <a:ext cx="8228880" cy="4525200"/>
+            <a:ext cx="8228520" cy="4524840"/>
           </a:xfrm>
           <a:prstGeom prst="rect">
             <a:avLst/>
@@ -7072,7 +7063,7 @@
         <p:spPr>
           <a:xfrm>
             <a:off x="457200" y="274680"/>
-            <a:ext cx="8228880" cy="1142280"/>
+            <a:ext cx="8228520" cy="1141920"/>
           </a:xfrm>
           <a:prstGeom prst="rect">
             <a:avLst/>
@@ -7127,7 +7118,7 @@
         <p:spPr>
           <a:xfrm>
             <a:off x="457200" y="1600200"/>
-            <a:ext cx="8228880" cy="4525200"/>
+            <a:ext cx="8228520" cy="4524840"/>
           </a:xfrm>
           <a:prstGeom prst="rect">
             <a:avLst/>
@@ -7666,7 +7657,7 @@
         <p:spPr>
           <a:xfrm>
             <a:off x="457200" y="274680"/>
-            <a:ext cx="8228880" cy="1142280"/>
+            <a:ext cx="8228520" cy="1141920"/>
           </a:xfrm>
           <a:prstGeom prst="rect">
             <a:avLst/>
@@ -7721,7 +7712,7 @@
         <p:spPr>
           <a:xfrm>
             <a:off x="457200" y="1600200"/>
-            <a:ext cx="8228880" cy="4525200"/>
+            <a:ext cx="8228520" cy="4524840"/>
           </a:xfrm>
           <a:prstGeom prst="rect">
             <a:avLst/>
@@ -8088,7 +8079,7 @@
         <p:spPr>
           <a:xfrm>
             <a:off x="457200" y="274680"/>
-            <a:ext cx="8228880" cy="1142280"/>
+            <a:ext cx="8228520" cy="1141920"/>
           </a:xfrm>
           <a:prstGeom prst="rect">
             <a:avLst/>
@@ -8143,7 +8134,7 @@
         <p:spPr>
           <a:xfrm>
             <a:off x="457200" y="1600200"/>
-            <a:ext cx="8228880" cy="4525200"/>
+            <a:ext cx="8228520" cy="4524840"/>
           </a:xfrm>
           <a:prstGeom prst="rect">
             <a:avLst/>
@@ -8264,7 +8255,7 @@
                 </a:solidFill>
                 <a:latin typeface="Calibri"/>
               </a:rPr>
-              <a:t>- Test RMSE: $21,748.69</a:t>
+              <a:t>- Test RMSE: $24,254.97</a:t>
             </a:r>
             <a:endParaRPr b="0" lang="en-US" sz="2400" spc="-1" strike="noStrike">
               <a:solidFill>
@@ -8297,7 +8288,7 @@
                 </a:solidFill>
                 <a:latin typeface="Calibri"/>
               </a:rPr>
-              <a:t>- Test MAE: $4,434.43</a:t>
+              <a:t>- Test MAE: $4,858.01</a:t>
             </a:r>
             <a:endParaRPr b="0" lang="en-US" sz="2400" spc="-1" strike="noStrike">
               <a:solidFill>
@@ -8330,7 +8321,7 @@
                 </a:solidFill>
                 <a:latin typeface="Calibri"/>
               </a:rPr>
-              <a:t>- Test R^2: 1.00</a:t>
+              <a:t>- Test R^2: 0.99</a:t>
             </a:r>
             <a:endParaRPr b="0" lang="en-US" sz="2400" spc="-1" strike="noStrike">
               <a:solidFill>
@@ -8470,7 +8461,7 @@
         <p:spPr>
           <a:xfrm>
             <a:off x="457200" y="274680"/>
-            <a:ext cx="8228880" cy="1142280"/>
+            <a:ext cx="8228520" cy="1141920"/>
           </a:xfrm>
           <a:prstGeom prst="rect">
             <a:avLst/>
@@ -8525,7 +8516,7 @@
         <p:spPr>
           <a:xfrm>
             <a:off x="457200" y="1600200"/>
-            <a:ext cx="8228880" cy="4525200"/>
+            <a:ext cx="8228520" cy="4524840"/>
           </a:xfrm>
           <a:prstGeom prst="rect">
             <a:avLst/>
